--- a/slideshow.pptx
+++ b/slideshow.pptx
@@ -15,9 +15,6 @@
     <p:sldId id="263" r:id="rId13"/>
     <p:sldId id="264" r:id="rId14"/>
     <p:sldId id="265" r:id="rId15"/>
-    <p:sldId id="266" r:id="rId16"/>
-    <p:sldId id="267" r:id="rId17"/>
-    <p:sldId id="268" r:id="rId18"/>
   </p:sldIdLst>
   <p:sldSz cx="9144000" cy="6858000" type="screen4x3"/>
   <p:notesSz cx="6858000" cy="9144000"/>
@@ -3079,8 +3076,8 @@
         </p:nvSpPr>
         <p:spPr>
           <a:xfrm>
-            <a:off x="1905000" y="635000"/>
-            <a:ext cx="1270000" cy="1270000"/>
+            <a:off x="3429000" y="2921000"/>
+            <a:ext cx="2540000" cy="1270000"/>
           </a:xfrm>
           <a:prstGeom prst="rect">
             <a:avLst/>
@@ -3102,7 +3099,7 @@
           <a:p>
             <a:pPr algn="ctr"/>
             <a:r>
-              <a:rPr lang="en-US" b="true" sz="1800">
+              <a:rPr lang="en-US" b="true" sz="3200">
                 <a:solidFill>
                   <a:srgbClr val="000000"/>
                 </a:solidFill>
@@ -3146,8 +3143,8 @@
         </p:nvSpPr>
         <p:spPr>
           <a:xfrm>
-            <a:off x="3810000" y="1270000"/>
-            <a:ext cx="3810000" cy="1270000"/>
+            <a:off x="2286000" y="1270000"/>
+            <a:ext cx="5080000" cy="3175000"/>
           </a:xfrm>
           <a:prstGeom prst="rect">
             <a:avLst/>
@@ -3175,7 +3172,7 @@
                 </a:solidFill>
                 <a:latin typeface="Arial"/>
               </a:rPr>
-              <a:t>There are several poisonous substances in spoiled tomato such as mould and bacteria</a:t>
+              <a:t>Before cooking tomato, you should check firstly whether the appearance of it is smooth without white mould, then you should smell to check whether the odour of it is sour or not, if it smells sour and putrefactive, it is spoiled one and you should not eat it.</a:t>
             </a:r>
           </a:p>
         </p:txBody>
@@ -3188,7 +3185,7 @@
 </p:sld>
 </file>
 
-<file path=ppt/slides/slide11.xml><?xml version="1.0" encoding="utf-8"?>
+<file path=ppt/slides/slide2.xml><?xml version="1.0" encoding="utf-8"?>
 <p:sld xmlns:p="http://schemas.openxmlformats.org/presentationml/2006/main" xmlns:a="http://schemas.openxmlformats.org/drawingml/2006/main" xmlns:r="http://schemas.openxmlformats.org/officeDocument/2006/relationships">
   <p:cSld>
     <p:spTree>
@@ -3213,8 +3210,8 @@
         </p:nvSpPr>
         <p:spPr>
           <a:xfrm>
-            <a:off x="0" y="0"/>
-            <a:ext cx="0" cy="0"/>
+            <a:off x="2286000" y="1270000"/>
+            <a:ext cx="5080000" cy="3175000"/>
           </a:xfrm>
           <a:prstGeom prst="rect">
             <a:avLst/>
@@ -3232,6 +3229,18 @@
               <a:t/>
             </a:r>
             <a:endParaRPr lang="en-US" sz="1100"/>
+          </a:p>
+          <a:p>
+            <a:pPr algn="ctr"/>
+            <a:r>
+              <a:rPr lang="en-US" sz="1400">
+                <a:solidFill>
+                  <a:srgbClr val="000000"/>
+                </a:solidFill>
+                <a:latin typeface="Arial"/>
+              </a:rPr>
+              <a:t>As a member of the nightshade family (along with aubergines, peppers and chillies), tomatoes are in fact a fruit, but their affinity for other savoury ingredients means that they are usually classed as a vegetable.</a:t>
+            </a:r>
           </a:p>
         </p:txBody>
       </p:sp>
@@ -3251,215 +3260,14 @@
         </p:blipFill>
         <p:spPr>
           <a:xfrm>
-            <a:off x="1905000" y="1905000"/>
-            <a:ext cx="3810000" cy="3810000"/>
+            <a:off x="2540000" y="3556000"/>
+            <a:ext cx="3175000" cy="2540000"/>
           </a:xfrm>
           <a:prstGeom prst="rect">
             <a:avLst/>
           </a:prstGeom>
         </p:spPr>
       </p:pic>
-    </p:spTree>
-  </p:cSld>
-  <p:clrMapOvr>
-    <a:masterClrMapping/>
-  </p:clrMapOvr>
-</p:sld>
-</file>
-
-<file path=ppt/slides/slide12.xml><?xml version="1.0" encoding="utf-8"?>
-<p:sld xmlns:p="http://schemas.openxmlformats.org/presentationml/2006/main" xmlns:a="http://schemas.openxmlformats.org/drawingml/2006/main">
-  <p:cSld>
-    <p:spTree>
-      <p:nvGrpSpPr>
-        <p:cNvPr id="1" name=""/>
-        <p:cNvGrpSpPr/>
-        <p:nvPr/>
-      </p:nvGrpSpPr>
-      <p:grpSpPr>
-        <a:xfrm>
-          <a:off x="0" y="0"/>
-          <a:ext cx="0" cy="0"/>
-          <a:chOff x="0" y="0"/>
-          <a:chExt cx="0" cy="0"/>
-        </a:xfrm>
-      </p:grpSpPr>
-      <p:sp>
-        <p:nvSpPr>
-          <p:cNvPr name="TextBox 2" id="2"/>
-          <p:cNvSpPr txBox="true"/>
-          <p:nvPr/>
-        </p:nvSpPr>
-        <p:spPr>
-          <a:xfrm>
-            <a:off x="3810000" y="1270000"/>
-            <a:ext cx="3810000" cy="1270000"/>
-          </a:xfrm>
-          <a:prstGeom prst="rect">
-            <a:avLst/>
-          </a:prstGeom>
-        </p:spPr>
-        <p:txBody>
-          <a:bodyPr anchor="t" rtlCol="false"/>
-          <a:lstStyle/>
-          <a:p>
-            <a:pPr algn="l">
-              <a:defRPr/>
-            </a:pPr>
-            <a:r>
-              <a:rPr lang="zh-CN"/>
-              <a:t/>
-            </a:r>
-            <a:endParaRPr lang="en-US" sz="1100"/>
-          </a:p>
-          <a:p>
-            <a:pPr algn="ctr"/>
-            <a:r>
-              <a:rPr lang="en-US" sz="1400">
-                <a:solidFill>
-                  <a:srgbClr val="000000"/>
-                </a:solidFill>
-                <a:latin typeface="Arial"/>
-              </a:rPr>
-              <a:t>There are several way to differentiate between good tomato and spoiled tomato</a:t>
-            </a:r>
-          </a:p>
-        </p:txBody>
-      </p:sp>
-    </p:spTree>
-  </p:cSld>
-  <p:clrMapOvr>
-    <a:masterClrMapping/>
-  </p:clrMapOvr>
-</p:sld>
-</file>
-
-<file path=ppt/slides/slide13.xml><?xml version="1.0" encoding="utf-8"?>
-<p:sld xmlns:p="http://schemas.openxmlformats.org/presentationml/2006/main" xmlns:a="http://schemas.openxmlformats.org/drawingml/2006/main">
-  <p:cSld>
-    <p:spTree>
-      <p:nvGrpSpPr>
-        <p:cNvPr id="1" name=""/>
-        <p:cNvGrpSpPr/>
-        <p:nvPr/>
-      </p:nvGrpSpPr>
-      <p:grpSpPr>
-        <a:xfrm>
-          <a:off x="0" y="0"/>
-          <a:ext cx="0" cy="0"/>
-          <a:chOff x="0" y="0"/>
-          <a:chExt cx="0" cy="0"/>
-        </a:xfrm>
-      </p:grpSpPr>
-      <p:sp>
-        <p:nvSpPr>
-          <p:cNvPr name="TextBox 2" id="2"/>
-          <p:cNvSpPr txBox="true"/>
-          <p:nvPr/>
-        </p:nvSpPr>
-        <p:spPr>
-          <a:xfrm>
-            <a:off x="3810000" y="1270000"/>
-            <a:ext cx="3810000" cy="1270000"/>
-          </a:xfrm>
-          <a:prstGeom prst="rect">
-            <a:avLst/>
-          </a:prstGeom>
-        </p:spPr>
-        <p:txBody>
-          <a:bodyPr anchor="t" rtlCol="false"/>
-          <a:lstStyle/>
-          <a:p>
-            <a:pPr algn="l">
-              <a:defRPr/>
-            </a:pPr>
-            <a:r>
-              <a:rPr lang="zh-CN"/>
-              <a:t/>
-            </a:r>
-            <a:endParaRPr lang="en-US" sz="1100"/>
-          </a:p>
-          <a:p>
-            <a:pPr algn="ctr"/>
-            <a:r>
-              <a:rPr lang="en-US" sz="1400">
-                <a:solidFill>
-                  <a:srgbClr val="000000"/>
-                </a:solidFill>
-                <a:latin typeface="Arial"/>
-              </a:rPr>
-              <a:t>Before cooking tomato, you should check firstly whether the appearance of it is smooth without white mould, then you should smell to check whether the odour of it is sour or not, if it smells sour and putrefactive, it is spoiled one and you should not eat it.</a:t>
-            </a:r>
-          </a:p>
-        </p:txBody>
-      </p:sp>
-    </p:spTree>
-  </p:cSld>
-  <p:clrMapOvr>
-    <a:masterClrMapping/>
-  </p:clrMapOvr>
-</p:sld>
-</file>
-
-<file path=ppt/slides/slide2.xml><?xml version="1.0" encoding="utf-8"?>
-<p:sld xmlns:p="http://schemas.openxmlformats.org/presentationml/2006/main" xmlns:a="http://schemas.openxmlformats.org/drawingml/2006/main">
-  <p:cSld>
-    <p:spTree>
-      <p:nvGrpSpPr>
-        <p:cNvPr id="1" name=""/>
-        <p:cNvGrpSpPr/>
-        <p:nvPr/>
-      </p:nvGrpSpPr>
-      <p:grpSpPr>
-        <a:xfrm>
-          <a:off x="0" y="0"/>
-          <a:ext cx="0" cy="0"/>
-          <a:chOff x="0" y="0"/>
-          <a:chExt cx="0" cy="0"/>
-        </a:xfrm>
-      </p:grpSpPr>
-      <p:sp>
-        <p:nvSpPr>
-          <p:cNvPr name="TextBox 2" id="2"/>
-          <p:cNvSpPr txBox="true"/>
-          <p:nvPr/>
-        </p:nvSpPr>
-        <p:spPr>
-          <a:xfrm>
-            <a:off x="3810000" y="1270000"/>
-            <a:ext cx="3810000" cy="1270000"/>
-          </a:xfrm>
-          <a:prstGeom prst="rect">
-            <a:avLst/>
-          </a:prstGeom>
-        </p:spPr>
-        <p:txBody>
-          <a:bodyPr anchor="t" rtlCol="false"/>
-          <a:lstStyle/>
-          <a:p>
-            <a:pPr algn="l">
-              <a:defRPr/>
-            </a:pPr>
-            <a:r>
-              <a:rPr lang="zh-CN"/>
-              <a:t/>
-            </a:r>
-            <a:endParaRPr lang="en-US" sz="1100"/>
-          </a:p>
-          <a:p>
-            <a:pPr algn="ctr"/>
-            <a:r>
-              <a:rPr lang="en-US" sz="1400">
-                <a:solidFill>
-                  <a:srgbClr val="000000"/>
-                </a:solidFill>
-                <a:latin typeface="Arial"/>
-              </a:rPr>
-              <a:t>Tomato is a glossy red, or occasionally yellow, pulpy edible fruit that is eaten as a vegetable or fried with other food material. It is an herbaceous, usually sprawling plant in the nightshade family that is typically cultivated for its edible fruit. It is a perennial but is usually grown outdoors in temperate climates as an annual. Tomatoes are the most common and beloved vegetable crop for home gardeners.</a:t>
-            </a:r>
-          </a:p>
-        </p:txBody>
-      </p:sp>
     </p:spTree>
   </p:cSld>
   <p:clrMapOvr>
@@ -3493,8 +3301,8 @@
         </p:nvSpPr>
         <p:spPr>
           <a:xfrm>
-            <a:off x="0" y="0"/>
-            <a:ext cx="0" cy="0"/>
+            <a:off x="2286000" y="1270000"/>
+            <a:ext cx="5080000" cy="3175000"/>
           </a:xfrm>
           <a:prstGeom prst="rect">
             <a:avLst/>
@@ -3512,6 +3320,18 @@
               <a:t/>
             </a:r>
             <a:endParaRPr lang="en-US" sz="1100"/>
+          </a:p>
+          <a:p>
+            <a:pPr algn="ctr"/>
+            <a:r>
+              <a:rPr lang="en-US" sz="1400">
+                <a:solidFill>
+                  <a:srgbClr val="000000"/>
+                </a:solidFill>
+                <a:latin typeface="Arial"/>
+              </a:rPr>
+              <a:t>Tomato can take several benefits for your physical fitness.</a:t>
+            </a:r>
           </a:p>
         </p:txBody>
       </p:sp>
@@ -3531,8 +3351,8 @@
         </p:blipFill>
         <p:spPr>
           <a:xfrm>
-            <a:off x="1905000" y="1905000"/>
-            <a:ext cx="3810000" cy="3810000"/>
+            <a:off x="2540000" y="3556000"/>
+            <a:ext cx="3175000" cy="2540000"/>
           </a:xfrm>
           <a:prstGeom prst="rect">
             <a:avLst/>
@@ -3572,8 +3392,8 @@
         </p:nvSpPr>
         <p:spPr>
           <a:xfrm>
-            <a:off x="3810000" y="1270000"/>
-            <a:ext cx="3810000" cy="1270000"/>
+            <a:off x="2286000" y="1270000"/>
+            <a:ext cx="5080000" cy="3175000"/>
           </a:xfrm>
           <a:prstGeom prst="rect">
             <a:avLst/>
@@ -3601,7 +3421,7 @@
                 </a:solidFill>
                 <a:latin typeface="Arial"/>
               </a:rPr>
-              <a:t>Tomato is very good for health</a:t>
+              <a:t>Tomato is a good choice for person who wants to intake vitaminC and vitaminK </a:t>
             </a:r>
           </a:p>
         </p:txBody>
@@ -3615,7 +3435,7 @@
 </file>
 
 <file path=ppt/slides/slide5.xml><?xml version="1.0" encoding="utf-8"?>
-<p:sld xmlns:p="http://schemas.openxmlformats.org/presentationml/2006/main" xmlns:a="http://schemas.openxmlformats.org/drawingml/2006/main" xmlns:r="http://schemas.openxmlformats.org/officeDocument/2006/relationships">
+<p:sld xmlns:p="http://schemas.openxmlformats.org/presentationml/2006/main" xmlns:a="http://schemas.openxmlformats.org/drawingml/2006/main">
   <p:cSld>
     <p:spTree>
       <p:nvGrpSpPr>
@@ -3639,8 +3459,8 @@
         </p:nvSpPr>
         <p:spPr>
           <a:xfrm>
-            <a:off x="0" y="0"/>
-            <a:ext cx="0" cy="0"/>
+            <a:off x="2286000" y="1270000"/>
+            <a:ext cx="5080000" cy="3175000"/>
           </a:xfrm>
           <a:prstGeom prst="rect">
             <a:avLst/>
@@ -3659,32 +3479,20 @@
             </a:r>
             <a:endParaRPr lang="en-US" sz="1100"/>
           </a:p>
-        </p:txBody>
-      </p:sp>
-      <p:pic>
-        <p:nvPicPr>
-          <p:cNvPr name="Picture 3" id="3"/>
-          <p:cNvPicPr>
-            <a:picLocks noChangeAspect="true"/>
-          </p:cNvPicPr>
-          <p:nvPr/>
-        </p:nvPicPr>
-        <p:blipFill>
-          <a:blip r:embed="rId2"/>
-          <a:stretch>
-            <a:fillRect/>
-          </a:stretch>
-        </p:blipFill>
-        <p:spPr>
-          <a:xfrm>
-            <a:off x="1905000" y="1905000"/>
-            <a:ext cx="3810000" cy="3810000"/>
-          </a:xfrm>
-          <a:prstGeom prst="rect">
-            <a:avLst/>
-          </a:prstGeom>
-        </p:spPr>
-      </p:pic>
+          <a:p>
+            <a:pPr algn="ctr"/>
+            <a:r>
+              <a:rPr lang="en-US" sz="1400">
+                <a:solidFill>
+                  <a:srgbClr val="000000"/>
+                </a:solidFill>
+                <a:latin typeface="Arial"/>
+              </a:rPr>
+              <a:t>Vitamin C is a water-soluble vitamin and powerful antioxidant, and helps the body form and maintain connective tissue, including bones, blood vessels, and skin. Research also indicates that it may help protect against a variety of cancers by combatting free radicals and helping neutralize the effects of nitrites. The health benefits of vitamin K include a healthy heart, prevention of osteoporosis, relief from menstrual pain, reduced risk of cancer, protection from internal bleeding, prevention of biliary obstruction, and reduced menstrual flow.</a:t>
+            </a:r>
+          </a:p>
+        </p:txBody>
+      </p:sp>
     </p:spTree>
   </p:cSld>
   <p:clrMapOvr>
@@ -3718,8 +3526,8 @@
         </p:nvSpPr>
         <p:spPr>
           <a:xfrm>
-            <a:off x="3810000" y="1270000"/>
-            <a:ext cx="3810000" cy="1270000"/>
+            <a:off x="2286000" y="1270000"/>
+            <a:ext cx="5080000" cy="3175000"/>
           </a:xfrm>
           <a:prstGeom prst="rect">
             <a:avLst/>
@@ -3747,7 +3555,7 @@
                 </a:solidFill>
                 <a:latin typeface="Arial"/>
               </a:rPr>
-              <a:t>Tomato is a good choice for person who wants to intake vitaminC and vitaminK </a:t>
+              <a:t>Tomatoes are one of the low-calorie vegetables which hold just 18 calories per 100g</a:t>
             </a:r>
           </a:p>
         </p:txBody>
@@ -3785,8 +3593,8 @@
         </p:nvSpPr>
         <p:spPr>
           <a:xfrm>
-            <a:off x="3810000" y="1270000"/>
-            <a:ext cx="3810000" cy="1270000"/>
+            <a:off x="2286000" y="1270000"/>
+            <a:ext cx="5080000" cy="3175000"/>
           </a:xfrm>
           <a:prstGeom prst="rect">
             <a:avLst/>
@@ -3814,7 +3622,7 @@
                 </a:solidFill>
                 <a:latin typeface="Arial"/>
               </a:rPr>
-              <a:t>Vitamin K is needed for blood clotting, which means it helps wounds heal properly. There's also some evidence vitamin K may help keep bones healthy. Vitamin C, or ascorbic acid, is one of the most important vitamins for immune health, aiding in the prevention of colds and other infections. Having a vitamin C deficiency is a well known cause of scurvy, which is normally associated with sailors being at sea for long periods of time.</a:t>
+              <a:t>Several benefits are associated with a low calorie diet. Dieters normally loose 4-7 pounds (2-3 kg) per week. Low calorie diets help slow down the aging process. Improved mental acuity. Dieters learn to eat a healthy, well balanced diet. Some research shows that a low calorie diet increases the life span.</a:t>
             </a:r>
           </a:p>
         </p:txBody>
@@ -3828,7 +3636,7 @@
 </file>
 
 <file path=ppt/slides/slide8.xml><?xml version="1.0" encoding="utf-8"?>
-<p:sld xmlns:p="http://schemas.openxmlformats.org/presentationml/2006/main" xmlns:a="http://schemas.openxmlformats.org/drawingml/2006/main">
+<p:sld xmlns:p="http://schemas.openxmlformats.org/presentationml/2006/main" xmlns:a="http://schemas.openxmlformats.org/drawingml/2006/main" xmlns:r="http://schemas.openxmlformats.org/officeDocument/2006/relationships">
   <p:cSld>
     <p:spTree>
       <p:nvGrpSpPr>
@@ -3852,8 +3660,8 @@
         </p:nvSpPr>
         <p:spPr>
           <a:xfrm>
-            <a:off x="3810000" y="1270000"/>
-            <a:ext cx="3810000" cy="1270000"/>
+            <a:off x="2286000" y="1270000"/>
+            <a:ext cx="5080000" cy="3175000"/>
           </a:xfrm>
           <a:prstGeom prst="rect">
             <a:avLst/>
@@ -3881,11 +3689,35 @@
                 </a:solidFill>
                 <a:latin typeface="Arial"/>
               </a:rPr>
-              <a:t>Tomatoes are one of the low-calorie vegetables which hold just 18 calories per 100g</a:t>
-            </a:r>
-          </a:p>
-        </p:txBody>
-      </p:sp>
+              <a:t>Spoiled tomato is bad for health</a:t>
+            </a:r>
+          </a:p>
+        </p:txBody>
+      </p:sp>
+      <p:pic>
+        <p:nvPicPr>
+          <p:cNvPr name="Picture 3" id="3"/>
+          <p:cNvPicPr>
+            <a:picLocks noChangeAspect="true"/>
+          </p:cNvPicPr>
+          <p:nvPr/>
+        </p:nvPicPr>
+        <p:blipFill>
+          <a:blip r:embed="rId2"/>
+          <a:stretch>
+            <a:fillRect/>
+          </a:stretch>
+        </p:blipFill>
+        <p:spPr>
+          <a:xfrm>
+            <a:off x="2540000" y="3556000"/>
+            <a:ext cx="3175000" cy="2540000"/>
+          </a:xfrm>
+          <a:prstGeom prst="rect">
+            <a:avLst/>
+          </a:prstGeom>
+        </p:spPr>
+      </p:pic>
     </p:spTree>
   </p:cSld>
   <p:clrMapOvr>
@@ -3919,8 +3751,8 @@
         </p:nvSpPr>
         <p:spPr>
           <a:xfrm>
-            <a:off x="3810000" y="1270000"/>
-            <a:ext cx="3810000" cy="1270000"/>
+            <a:off x="2286000" y="1270000"/>
+            <a:ext cx="5080000" cy="3175000"/>
           </a:xfrm>
           <a:prstGeom prst="rect">
             <a:avLst/>
@@ -3948,7 +3780,7 @@
                 </a:solidFill>
                 <a:latin typeface="Arial"/>
               </a:rPr>
-              <a:t>Very low calorie diets can have enormous health benefits. Not only do they provide fast and efficient weight-loss but can also reduce the health risks associated with being obese or overweight. If you are obese (have a BMI of 30+) then you are at risk of developing serious medical conditions such as type 2 diabetes, heart disease, certain cancers, stroke, joint and muscle pain.</a:t>
+              <a:t>There are several way to differentiate between good tomato and spoiled tomato</a:t>
             </a:r>
           </a:p>
         </p:txBody>

--- a/slideshow.pptx
+++ b/slideshow.pptx
@@ -15,6 +15,8 @@
     <p:sldId id="263" r:id="rId13"/>
     <p:sldId id="264" r:id="rId14"/>
     <p:sldId id="265" r:id="rId15"/>
+    <p:sldId id="266" r:id="rId16"/>
+    <p:sldId id="267" r:id="rId17"/>
   </p:sldIdLst>
   <p:sldSz cx="9144000" cy="6858000" type="screen4x3"/>
   <p:notesSz cx="6858000" cy="9144000"/>
@@ -3119,6 +3121,164 @@
 </file>
 
 <file path=ppt/slides/slide10.xml><?xml version="1.0" encoding="utf-8"?>
+<p:sld xmlns:p="http://schemas.openxmlformats.org/presentationml/2006/main" xmlns:a="http://schemas.openxmlformats.org/drawingml/2006/main" xmlns:r="http://schemas.openxmlformats.org/officeDocument/2006/relationships">
+  <p:cSld>
+    <p:spTree>
+      <p:nvGrpSpPr>
+        <p:cNvPr id="1" name=""/>
+        <p:cNvGrpSpPr/>
+        <p:nvPr/>
+      </p:nvGrpSpPr>
+      <p:grpSpPr>
+        <a:xfrm>
+          <a:off x="0" y="0"/>
+          <a:ext cx="0" cy="0"/>
+          <a:chOff x="0" y="0"/>
+          <a:chExt cx="0" cy="0"/>
+        </a:xfrm>
+      </p:grpSpPr>
+      <p:sp>
+        <p:nvSpPr>
+          <p:cNvPr name="TextBox 2" id="2"/>
+          <p:cNvSpPr txBox="true"/>
+          <p:nvPr/>
+        </p:nvSpPr>
+        <p:spPr>
+          <a:xfrm>
+            <a:off x="2286000" y="1270000"/>
+            <a:ext cx="5080000" cy="3175000"/>
+          </a:xfrm>
+          <a:prstGeom prst="rect">
+            <a:avLst/>
+          </a:prstGeom>
+        </p:spPr>
+        <p:txBody>
+          <a:bodyPr anchor="t" rtlCol="false"/>
+          <a:lstStyle/>
+          <a:p>
+            <a:pPr algn="l">
+              <a:defRPr/>
+            </a:pPr>
+            <a:r>
+              <a:rPr lang="zh-CN"/>
+              <a:t/>
+            </a:r>
+            <a:endParaRPr lang="en-US" sz="1100"/>
+          </a:p>
+          <a:p>
+            <a:pPr algn="ctr"/>
+            <a:r>
+              <a:rPr lang="en-US" sz="1400">
+                <a:solidFill>
+                  <a:srgbClr val="000000"/>
+                </a:solidFill>
+                <a:latin typeface="Arial"/>
+              </a:rPr>
+              <a:t>There are several poisonous substances in spoiled tomato such as mould and bacteria</a:t>
+            </a:r>
+          </a:p>
+        </p:txBody>
+      </p:sp>
+      <p:pic>
+        <p:nvPicPr>
+          <p:cNvPr name="Picture 3" id="3"/>
+          <p:cNvPicPr>
+            <a:picLocks noChangeAspect="true"/>
+          </p:cNvPicPr>
+          <p:nvPr/>
+        </p:nvPicPr>
+        <p:blipFill>
+          <a:blip r:embed="rId2"/>
+          <a:stretch>
+            <a:fillRect/>
+          </a:stretch>
+        </p:blipFill>
+        <p:spPr>
+          <a:xfrm>
+            <a:off x="2540000" y="3556000"/>
+            <a:ext cx="3175000" cy="2540000"/>
+          </a:xfrm>
+          <a:prstGeom prst="rect">
+            <a:avLst/>
+          </a:prstGeom>
+        </p:spPr>
+      </p:pic>
+    </p:spTree>
+  </p:cSld>
+  <p:clrMapOvr>
+    <a:masterClrMapping/>
+  </p:clrMapOvr>
+</p:sld>
+</file>
+
+<file path=ppt/slides/slide11.xml><?xml version="1.0" encoding="utf-8"?>
+<p:sld xmlns:p="http://schemas.openxmlformats.org/presentationml/2006/main" xmlns:a="http://schemas.openxmlformats.org/drawingml/2006/main">
+  <p:cSld>
+    <p:spTree>
+      <p:nvGrpSpPr>
+        <p:cNvPr id="1" name=""/>
+        <p:cNvGrpSpPr/>
+        <p:nvPr/>
+      </p:nvGrpSpPr>
+      <p:grpSpPr>
+        <a:xfrm>
+          <a:off x="0" y="0"/>
+          <a:ext cx="0" cy="0"/>
+          <a:chOff x="0" y="0"/>
+          <a:chExt cx="0" cy="0"/>
+        </a:xfrm>
+      </p:grpSpPr>
+      <p:sp>
+        <p:nvSpPr>
+          <p:cNvPr name="TextBox 2" id="2"/>
+          <p:cNvSpPr txBox="true"/>
+          <p:nvPr/>
+        </p:nvSpPr>
+        <p:spPr>
+          <a:xfrm>
+            <a:off x="2286000" y="1270000"/>
+            <a:ext cx="5080000" cy="3175000"/>
+          </a:xfrm>
+          <a:prstGeom prst="rect">
+            <a:avLst/>
+          </a:prstGeom>
+        </p:spPr>
+        <p:txBody>
+          <a:bodyPr anchor="t" rtlCol="false"/>
+          <a:lstStyle/>
+          <a:p>
+            <a:pPr algn="l">
+              <a:defRPr/>
+            </a:pPr>
+            <a:r>
+              <a:rPr lang="zh-CN"/>
+              <a:t/>
+            </a:r>
+            <a:endParaRPr lang="en-US" sz="1100"/>
+          </a:p>
+          <a:p>
+            <a:pPr algn="ctr"/>
+            <a:r>
+              <a:rPr lang="en-US" sz="1400">
+                <a:solidFill>
+                  <a:srgbClr val="000000"/>
+                </a:solidFill>
+                <a:latin typeface="Arial"/>
+              </a:rPr>
+              <a:t>There are several way to differentiate between good tomato and spoiled tomato</a:t>
+            </a:r>
+          </a:p>
+        </p:txBody>
+      </p:sp>
+    </p:spTree>
+  </p:cSld>
+  <p:clrMapOvr>
+    <a:masterClrMapping/>
+  </p:clrMapOvr>
+</p:sld>
+</file>
+
+<file path=ppt/slides/slide12.xml><?xml version="1.0" encoding="utf-8"?>
 <p:sld xmlns:p="http://schemas.openxmlformats.org/presentationml/2006/main" xmlns:a="http://schemas.openxmlformats.org/drawingml/2006/main">
   <p:cSld>
     <p:spTree>
@@ -3239,7 +3399,7 @@
                 </a:solidFill>
                 <a:latin typeface="Arial"/>
               </a:rPr>
-              <a:t>As a member of the nightshade family (along with aubergines, peppers and chillies), tomatoes are in fact a fruit, but their affinity for other savoury ingredients means that they are usually classed as a vegetable.</a:t>
+              <a:t>The tomato is the edible, often red, berry of the plant Solanum lycopersicum, commonly known as a tomato plant. The species originated in western South America and Central America. Numerous varieties of the tomato plant are widely grown in temperate climates across the world, with greenhouses allowing for the production of tomatoes throughout all seasons of the year.</a:t>
             </a:r>
           </a:p>
         </p:txBody>
@@ -3330,7 +3490,7 @@
                 </a:solidFill>
                 <a:latin typeface="Arial"/>
               </a:rPr>
-              <a:t>Tomato can take several benefits for your physical fitness.</a:t>
+              <a:t>The tomato is consumed in diverse ways, raw or cooked, in many dishes, sauces, salads, and drinks</a:t>
             </a:r>
           </a:p>
         </p:txBody>
@@ -3421,7 +3581,7 @@
                 </a:solidFill>
                 <a:latin typeface="Arial"/>
               </a:rPr>
-              <a:t>Tomato is a good choice for person who wants to intake vitaminC and vitaminK </a:t>
+              <a:t>Soup is one of the best way to enjoy the tomato</a:t>
             </a:r>
           </a:p>
         </p:txBody>
@@ -3488,7 +3648,7 @@
                 </a:solidFill>
                 <a:latin typeface="Arial"/>
               </a:rPr>
-              <a:t>Vitamin C is a water-soluble vitamin and powerful antioxidant, and helps the body form and maintain connective tissue, including bones, blood vessels, and skin. Research also indicates that it may help protect against a variety of cancers by combatting free radicals and helping neutralize the effects of nitrites. The health benefits of vitamin K include a healthy heart, prevention of osteoporosis, relief from menstrual pain, reduced risk of cancer, protection from internal bleeding, prevention of biliary obstruction, and reduced menstrual flow.</a:t>
+              <a:t>Heat the oil in a large saucepan and add the onions, carrot and celery and garlic. Cover and cook gently for 10 minutes until soft.Then,Add the sugar, salt, pepper and tomatoes. Stir and cook for another 5 minutes. Finally, Add the stock, bring to the boil and simmer for 10 minutes. Liquidise until smooth. If using the basil, stir in at the end.</a:t>
             </a:r>
           </a:p>
         </p:txBody>
@@ -3555,7 +3715,7 @@
                 </a:solidFill>
                 <a:latin typeface="Arial"/>
               </a:rPr>
-              <a:t>Tomatoes are one of the low-calorie vegetables which hold just 18 calories per 100g</a:t>
+              <a:t>Salad is one of the best way to enjoy the tomato</a:t>
             </a:r>
           </a:p>
         </p:txBody>
@@ -3622,7 +3782,7 @@
                 </a:solidFill>
                 <a:latin typeface="Arial"/>
               </a:rPr>
-              <a:t>Several benefits are associated with a low calorie diet. Dieters normally loose 4-7 pounds (2-3 kg) per week. Low calorie diets help slow down the aging process. Improved mental acuity. Dieters learn to eat a healthy, well balanced diet. Some research shows that a low calorie diet increases the life span.</a:t>
+              <a:t>To create a delicious salad, mix cherry or grape tomatoes with blanched green beans, chopped sweet peppers and broccoli florets. To make a simple tangy vinaigrette, whisk pesto with freshly squeezed lemon juice. Drizzle over salad and toss to coat.</a:t>
             </a:r>
           </a:p>
         </p:txBody>
@@ -3636,7 +3796,7 @@
 </file>
 
 <file path=ppt/slides/slide8.xml><?xml version="1.0" encoding="utf-8"?>
-<p:sld xmlns:p="http://schemas.openxmlformats.org/presentationml/2006/main" xmlns:a="http://schemas.openxmlformats.org/drawingml/2006/main" xmlns:r="http://schemas.openxmlformats.org/officeDocument/2006/relationships">
+<p:sld xmlns:p="http://schemas.openxmlformats.org/presentationml/2006/main" xmlns:a="http://schemas.openxmlformats.org/drawingml/2006/main">
   <p:cSld>
     <p:spTree>
       <p:nvGrpSpPr>
@@ -3689,35 +3849,11 @@
                 </a:solidFill>
                 <a:latin typeface="Arial"/>
               </a:rPr>
-              <a:t>Spoiled tomato is bad for health</a:t>
-            </a:r>
-          </a:p>
-        </p:txBody>
-      </p:sp>
-      <p:pic>
-        <p:nvPicPr>
-          <p:cNvPr name="Picture 3" id="3"/>
-          <p:cNvPicPr>
-            <a:picLocks noChangeAspect="true"/>
-          </p:cNvPicPr>
-          <p:nvPr/>
-        </p:nvPicPr>
-        <p:blipFill>
-          <a:blip r:embed="rId2"/>
-          <a:stretch>
-            <a:fillRect/>
-          </a:stretch>
-        </p:blipFill>
-        <p:spPr>
-          <a:xfrm>
-            <a:off x="2540000" y="3556000"/>
-            <a:ext cx="3175000" cy="2540000"/>
-          </a:xfrm>
-          <a:prstGeom prst="rect">
-            <a:avLst/>
-          </a:prstGeom>
-        </p:spPr>
-      </p:pic>
+              <a:t>Salsa is one of the best way to enjoy the tomato</a:t>
+            </a:r>
+          </a:p>
+        </p:txBody>
+      </p:sp>
     </p:spTree>
   </p:cSld>
   <p:clrMapOvr>
@@ -3780,7 +3916,7 @@
                 </a:solidFill>
                 <a:latin typeface="Arial"/>
               </a:rPr>
-              <a:t>There are several way to differentiate between good tomato and spoiled tomato</a:t>
+              <a:t>Turn the diced tomato into a salsa. Use the chopped tomato to create your favorite kind of salsa, adding lemon or vinegar to acidify the tomato. By adding these acidic ingredients to a salsa, you will keep the tomato’s pH level below 4.2, which is what the FDA suggests</a:t>
             </a:r>
           </a:p>
         </p:txBody>
